--- a/filesets/demo/AgeReport_problem.pptx
+++ b/filesets/demo/AgeReport_problem.pptx
@@ -199,7 +199,7 @@
           <a:p>
             <a:fld id="{8B9BD9A1-A981-5248-BB0F-33986E75BC56}" type="datetimeFigureOut">
               <a:rPr lang="en-US" smtClean="0"/>
-              <a:t>8/19/20</a:t>
+              <a:t>9/30/2020</a:t>
             </a:fld>
             <a:endParaRPr lang="en-US"/>
           </a:p>
@@ -1522,12 +1522,8 @@
               <a:t>val:birthday.csv</a:t>
             </a:r>
             <a:r>
-              <a:rPr lang="en-US"/>
-              <a:t>[1:2]}}, </a:t>
-            </a:r>
-            <a:r>
               <a:rPr lang="en-US" dirty="0"/>
-              <a:t>this is how I stack-up:</a:t>
+              <a:t>[1:1]}}, this is how I stack-up:</a:t>
             </a:r>
           </a:p>
         </p:txBody>
@@ -2155,7 +2151,7 @@
             </a:r>
             <a:r>
               <a:rPr lang="en-US" dirty="0"/>
-              <a:t>[1:2]}} </a:t>
+              <a:t>[1:1]}} </a:t>
             </a:r>
           </a:p>
         </p:txBody>
@@ -2399,7 +2395,7 @@
             </a:r>
             <a:r>
               <a:rPr lang="en-US" dirty="0"/>
-              <a:t>[2:2]}} </a:t>
+              <a:t>[2:1]}} </a:t>
             </a:r>
           </a:p>
         </p:txBody>
@@ -2615,7 +2611,7 @@
             </a:r>
             <a:r>
               <a:rPr lang="en-US" dirty="0"/>
-              <a:t>[3:2]}} </a:t>
+              <a:t>[3:1]}} </a:t>
             </a:r>
           </a:p>
         </p:txBody>
@@ -2831,7 +2827,7 @@
             </a:r>
             <a:r>
               <a:rPr lang="en-US" dirty="0"/>
-              <a:t>[4:2]}} </a:t>
+              <a:t>[4:1]}} </a:t>
             </a:r>
           </a:p>
         </p:txBody>
@@ -3406,6 +3402,15 @@
 </file>
 
 <file path=customXml/item1.xml><?xml version="1.0" encoding="utf-8"?>
+<?mso-contentType ?>
+<FormTemplates xmlns="http://schemas.microsoft.com/sharepoint/v3/contenttype/forms">
+  <Display>DocumentLibraryForm</Display>
+  <Edit>DocumentLibraryForm</Edit>
+  <New>DocumentLibraryForm</New>
+</FormTemplates>
+</file>
+
+<file path=customXml/item2.xml><?xml version="1.0" encoding="utf-8"?>
 <ct:contentTypeSchema xmlns:ct="http://schemas.microsoft.com/office/2006/metadata/contentType" xmlns:ma="http://schemas.microsoft.com/office/2006/metadata/properties/metaAttributes" ct:_="" ma:_="" ma:contentTypeName="Document" ma:contentTypeID="0x01010005CC00D66F8C3D498D58D8B3330ED23C" ma:contentTypeVersion="11" ma:contentTypeDescription="Create a new document." ma:contentTypeScope="" ma:versionID="11126f0687a46f95933db40d99b94a3b">
   <xsd:schema xmlns:xsd="http://www.w3.org/2001/XMLSchema" xmlns:xs="http://www.w3.org/2001/XMLSchema" xmlns:p="http://schemas.microsoft.com/office/2006/metadata/properties" xmlns:ns2="56123433-40cc-482a-838d-44eebed83084" xmlns:ns3="7d2247ee-dcae-49b5-8e6a-08fc19cc9b93" targetNamespace="http://schemas.microsoft.com/office/2006/metadata/properties" ma:root="true" ma:fieldsID="82e815043d4527580b826b1c9af8fe45" ns2:_="" ns3:_="">
     <xsd:import namespace="56123433-40cc-482a-838d-44eebed83084"/>
@@ -3616,15 +3621,6 @@
 </ct:contentTypeSchema>
 </file>
 
-<file path=customXml/item2.xml><?xml version="1.0" encoding="utf-8"?>
-<?mso-contentType ?>
-<FormTemplates xmlns="http://schemas.microsoft.com/sharepoint/v3/contenttype/forms">
-  <Display>DocumentLibraryForm</Display>
-  <Edit>DocumentLibraryForm</Edit>
-  <New>DocumentLibraryForm</New>
-</FormTemplates>
-</file>
-
 <file path=customXml/item3.xml><?xml version="1.0" encoding="utf-8"?>
 <p:properties xmlns:p="http://schemas.microsoft.com/office/2006/metadata/properties" xmlns:xsi="http://www.w3.org/2001/XMLSchema-instance" xmlns:pc="http://schemas.microsoft.com/office/infopath/2007/PartnerControls">
   <documentManagement/>
@@ -3632,6 +3628,14 @@
 </file>
 
 <file path=customXml/itemProps1.xml><?xml version="1.0" encoding="utf-8"?>
+<ds:datastoreItem xmlns:ds="http://schemas.openxmlformats.org/officeDocument/2006/customXml" ds:itemID="{027D0A69-7C10-4C42-B337-3FE1EF648C0F}">
+  <ds:schemaRefs>
+    <ds:schemaRef ds:uri="http://schemas.microsoft.com/sharepoint/v3/contenttype/forms"/>
+  </ds:schemaRefs>
+</ds:datastoreItem>
+</file>
+
+<file path=customXml/itemProps2.xml><?xml version="1.0" encoding="utf-8"?>
 <ds:datastoreItem xmlns:ds="http://schemas.openxmlformats.org/officeDocument/2006/customXml" ds:itemID="{178CAD29-7858-4B69-9F9F-0399F0F7EA67}">
   <ds:schemaRefs>
     <ds:schemaRef ds:uri="http://schemas.microsoft.com/office/2006/metadata/contentType"/>
@@ -3646,14 +3650,6 @@
     <ds:schemaRef ds:uri="http://purl.org/dc/elements/1.1/"/>
     <ds:schemaRef ds:uri="http://purl.org/dc/terms/"/>
     <ds:schemaRef ds:uri="http://schemas.microsoft.com/internal/obd"/>
-  </ds:schemaRefs>
-</ds:datastoreItem>
-</file>
-
-<file path=customXml/itemProps2.xml><?xml version="1.0" encoding="utf-8"?>
-<ds:datastoreItem xmlns:ds="http://schemas.openxmlformats.org/officeDocument/2006/customXml" ds:itemID="{027D0A69-7C10-4C42-B337-3FE1EF648C0F}">
-  <ds:schemaRefs>
-    <ds:schemaRef ds:uri="http://schemas.microsoft.com/sharepoint/v3/contenttype/forms"/>
   </ds:schemaRefs>
 </ds:datastoreItem>
 </file>
